--- a/ppt 16-9/0992.耶稣不改变.pptx
+++ b/ppt 16-9/0992.耶稣不改变.pptx
@@ -129,7 +129,7 @@
           <p:cNvPr id="2" name="标题 1">
             <a:extLst>
               <a:ext uri="{FF2B5EF4-FFF2-40B4-BE49-F238E27FC236}">
-                <a16:creationId xmlns:a16="http://schemas.microsoft.com/office/drawing/2014/main" id="{1C691DC5-1F64-526C-74EF-8271B3411F2B}"/>
+                <a16:creationId xmlns:a16="http://schemas.microsoft.com/office/drawing/2014/main" id="{200880B1-EEF5-874A-D42A-050C1526ACD4}"/>
               </a:ext>
             </a:extLst>
           </p:cNvPr>
@@ -166,7 +166,7 @@
           <p:cNvPr id="3" name="副标题 2">
             <a:extLst>
               <a:ext uri="{FF2B5EF4-FFF2-40B4-BE49-F238E27FC236}">
-                <a16:creationId xmlns:a16="http://schemas.microsoft.com/office/drawing/2014/main" id="{02614A09-B212-F73E-D113-C0592050315E}"/>
+                <a16:creationId xmlns:a16="http://schemas.microsoft.com/office/drawing/2014/main" id="{150AFDC0-27C8-3D04-980E-34D656CA523C}"/>
               </a:ext>
             </a:extLst>
           </p:cNvPr>
@@ -236,7 +236,7 @@
           <p:cNvPr id="4" name="日期占位符 3">
             <a:extLst>
               <a:ext uri="{FF2B5EF4-FFF2-40B4-BE49-F238E27FC236}">
-                <a16:creationId xmlns:a16="http://schemas.microsoft.com/office/drawing/2014/main" id="{A35ADF60-7DC3-C2B9-C39F-1DB410C752EE}"/>
+                <a16:creationId xmlns:a16="http://schemas.microsoft.com/office/drawing/2014/main" id="{F38B21E3-E2E1-2166-B74C-A78A764A6A1D}"/>
               </a:ext>
             </a:extLst>
           </p:cNvPr>
@@ -252,7 +252,7 @@
           <a:bodyPr/>
           <a:lstStyle/>
           <a:p>
-            <a:fld id="{E525C04F-6422-4F4A-9D5F-9B4C9C3C5F66}" type="datetimeFigureOut">
+            <a:fld id="{789ADC90-EE10-45DB-8552-63F20CED4B22}" type="datetimeFigureOut">
               <a:rPr lang="zh-CN" altLang="en-US" smtClean="0"/>
               <a:t>2024/3/10</a:t>
             </a:fld>
@@ -265,7 +265,7 @@
           <p:cNvPr id="5" name="页脚占位符 4">
             <a:extLst>
               <a:ext uri="{FF2B5EF4-FFF2-40B4-BE49-F238E27FC236}">
-                <a16:creationId xmlns:a16="http://schemas.microsoft.com/office/drawing/2014/main" id="{EC10ACC1-7CF9-8CF2-C07B-41010C7B27B0}"/>
+                <a16:creationId xmlns:a16="http://schemas.microsoft.com/office/drawing/2014/main" id="{A87B4116-49FE-5FB4-01F2-B2AA5590B05C}"/>
               </a:ext>
             </a:extLst>
           </p:cNvPr>
@@ -290,7 +290,7 @@
           <p:cNvPr id="6" name="灯片编号占位符 5">
             <a:extLst>
               <a:ext uri="{FF2B5EF4-FFF2-40B4-BE49-F238E27FC236}">
-                <a16:creationId xmlns:a16="http://schemas.microsoft.com/office/drawing/2014/main" id="{B64A5644-14DD-23CA-5E5A-307C30775168}"/>
+                <a16:creationId xmlns:a16="http://schemas.microsoft.com/office/drawing/2014/main" id="{F494C942-0325-C62B-01F2-AE830AB615A4}"/>
               </a:ext>
             </a:extLst>
           </p:cNvPr>
@@ -306,7 +306,7 @@
           <a:bodyPr/>
           <a:lstStyle/>
           <a:p>
-            <a:fld id="{9E9FBEA9-0534-4B8D-A4B2-8B5A3E30BE66}" type="slidenum">
+            <a:fld id="{5E837723-9D20-471D-AC41-DFC1E84B9FD6}" type="slidenum">
               <a:rPr lang="zh-CN" altLang="en-US" smtClean="0"/>
               <a:t>‹#›</a:t>
             </a:fld>
@@ -317,7 +317,7 @@
     </p:spTree>
     <p:extLst>
       <p:ext uri="{BB962C8B-B14F-4D97-AF65-F5344CB8AC3E}">
-        <p14:creationId xmlns:p14="http://schemas.microsoft.com/office/powerpoint/2010/main" val="2975882853"/>
+        <p14:creationId xmlns:p14="http://schemas.microsoft.com/office/powerpoint/2010/main" val="3643548789"/>
       </p:ext>
     </p:extLst>
   </p:cSld>
@@ -349,7 +349,7 @@
           <p:cNvPr id="2" name="标题 1">
             <a:extLst>
               <a:ext uri="{FF2B5EF4-FFF2-40B4-BE49-F238E27FC236}">
-                <a16:creationId xmlns:a16="http://schemas.microsoft.com/office/drawing/2014/main" id="{46948386-8234-3634-FA94-0D1A186BCE78}"/>
+                <a16:creationId xmlns:a16="http://schemas.microsoft.com/office/drawing/2014/main" id="{2A345E1A-DEF9-A838-E062-17B9B89E81C8}"/>
               </a:ext>
             </a:extLst>
           </p:cNvPr>
@@ -377,7 +377,7 @@
           <p:cNvPr id="3" name="竖排文字占位符 2">
             <a:extLst>
               <a:ext uri="{FF2B5EF4-FFF2-40B4-BE49-F238E27FC236}">
-                <a16:creationId xmlns:a16="http://schemas.microsoft.com/office/drawing/2014/main" id="{CC3F50A9-BB97-32AB-A7FB-BA243D7B5D42}"/>
+                <a16:creationId xmlns:a16="http://schemas.microsoft.com/office/drawing/2014/main" id="{AC01FCC8-797C-3F35-2479-12DBDB151881}"/>
               </a:ext>
             </a:extLst>
           </p:cNvPr>
@@ -434,7 +434,7 @@
           <p:cNvPr id="4" name="日期占位符 3">
             <a:extLst>
               <a:ext uri="{FF2B5EF4-FFF2-40B4-BE49-F238E27FC236}">
-                <a16:creationId xmlns:a16="http://schemas.microsoft.com/office/drawing/2014/main" id="{06F76F77-7279-A248-D6F8-B427314B0247}"/>
+                <a16:creationId xmlns:a16="http://schemas.microsoft.com/office/drawing/2014/main" id="{7746F81C-BCE0-E8F4-336B-B358849C9E9D}"/>
               </a:ext>
             </a:extLst>
           </p:cNvPr>
@@ -450,7 +450,7 @@
           <a:bodyPr/>
           <a:lstStyle/>
           <a:p>
-            <a:fld id="{E525C04F-6422-4F4A-9D5F-9B4C9C3C5F66}" type="datetimeFigureOut">
+            <a:fld id="{789ADC90-EE10-45DB-8552-63F20CED4B22}" type="datetimeFigureOut">
               <a:rPr lang="zh-CN" altLang="en-US" smtClean="0"/>
               <a:t>2024/3/10</a:t>
             </a:fld>
@@ -463,7 +463,7 @@
           <p:cNvPr id="5" name="页脚占位符 4">
             <a:extLst>
               <a:ext uri="{FF2B5EF4-FFF2-40B4-BE49-F238E27FC236}">
-                <a16:creationId xmlns:a16="http://schemas.microsoft.com/office/drawing/2014/main" id="{562EF982-F30C-E777-1B43-4A0D38803C75}"/>
+                <a16:creationId xmlns:a16="http://schemas.microsoft.com/office/drawing/2014/main" id="{7A40B7A5-7392-F664-BFB4-19EB59A2714B}"/>
               </a:ext>
             </a:extLst>
           </p:cNvPr>
@@ -488,7 +488,7 @@
           <p:cNvPr id="6" name="灯片编号占位符 5">
             <a:extLst>
               <a:ext uri="{FF2B5EF4-FFF2-40B4-BE49-F238E27FC236}">
-                <a16:creationId xmlns:a16="http://schemas.microsoft.com/office/drawing/2014/main" id="{5A9AB2AC-A059-7AF0-6DF8-23DC71432074}"/>
+                <a16:creationId xmlns:a16="http://schemas.microsoft.com/office/drawing/2014/main" id="{B33F5A0A-5138-1DBD-BA2A-4CDFD74F5C68}"/>
               </a:ext>
             </a:extLst>
           </p:cNvPr>
@@ -504,7 +504,7 @@
           <a:bodyPr/>
           <a:lstStyle/>
           <a:p>
-            <a:fld id="{9E9FBEA9-0534-4B8D-A4B2-8B5A3E30BE66}" type="slidenum">
+            <a:fld id="{5E837723-9D20-471D-AC41-DFC1E84B9FD6}" type="slidenum">
               <a:rPr lang="zh-CN" altLang="en-US" smtClean="0"/>
               <a:t>‹#›</a:t>
             </a:fld>
@@ -515,7 +515,7 @@
     </p:spTree>
     <p:extLst>
       <p:ext uri="{BB962C8B-B14F-4D97-AF65-F5344CB8AC3E}">
-        <p14:creationId xmlns:p14="http://schemas.microsoft.com/office/powerpoint/2010/main" val="3378855217"/>
+        <p14:creationId xmlns:p14="http://schemas.microsoft.com/office/powerpoint/2010/main" val="637041264"/>
       </p:ext>
     </p:extLst>
   </p:cSld>
@@ -547,7 +547,7 @@
           <p:cNvPr id="2" name="竖排标题 1">
             <a:extLst>
               <a:ext uri="{FF2B5EF4-FFF2-40B4-BE49-F238E27FC236}">
-                <a16:creationId xmlns:a16="http://schemas.microsoft.com/office/drawing/2014/main" id="{1479EED4-8F4A-6D9E-9827-5EB9BD532E7B}"/>
+                <a16:creationId xmlns:a16="http://schemas.microsoft.com/office/drawing/2014/main" id="{1D68EEE8-D80F-29FD-30E3-872FDD9FD7A4}"/>
               </a:ext>
             </a:extLst>
           </p:cNvPr>
@@ -580,7 +580,7 @@
           <p:cNvPr id="3" name="竖排文字占位符 2">
             <a:extLst>
               <a:ext uri="{FF2B5EF4-FFF2-40B4-BE49-F238E27FC236}">
-                <a16:creationId xmlns:a16="http://schemas.microsoft.com/office/drawing/2014/main" id="{9B3A037E-39F3-B4DB-5675-E2FAFD3A385F}"/>
+                <a16:creationId xmlns:a16="http://schemas.microsoft.com/office/drawing/2014/main" id="{68460F1C-C516-7D86-6FB4-A18C438048A1}"/>
               </a:ext>
             </a:extLst>
           </p:cNvPr>
@@ -642,7 +642,7 @@
           <p:cNvPr id="4" name="日期占位符 3">
             <a:extLst>
               <a:ext uri="{FF2B5EF4-FFF2-40B4-BE49-F238E27FC236}">
-                <a16:creationId xmlns:a16="http://schemas.microsoft.com/office/drawing/2014/main" id="{606C36DC-1454-4C27-8369-9B748D0FEB07}"/>
+                <a16:creationId xmlns:a16="http://schemas.microsoft.com/office/drawing/2014/main" id="{D975FBC4-3844-60C7-0398-FD26B96DEB65}"/>
               </a:ext>
             </a:extLst>
           </p:cNvPr>
@@ -658,7 +658,7 @@
           <a:bodyPr/>
           <a:lstStyle/>
           <a:p>
-            <a:fld id="{E525C04F-6422-4F4A-9D5F-9B4C9C3C5F66}" type="datetimeFigureOut">
+            <a:fld id="{789ADC90-EE10-45DB-8552-63F20CED4B22}" type="datetimeFigureOut">
               <a:rPr lang="zh-CN" altLang="en-US" smtClean="0"/>
               <a:t>2024/3/10</a:t>
             </a:fld>
@@ -671,7 +671,7 @@
           <p:cNvPr id="5" name="页脚占位符 4">
             <a:extLst>
               <a:ext uri="{FF2B5EF4-FFF2-40B4-BE49-F238E27FC236}">
-                <a16:creationId xmlns:a16="http://schemas.microsoft.com/office/drawing/2014/main" id="{C25F6BAA-3302-166F-C0CC-BB49E62365CA}"/>
+                <a16:creationId xmlns:a16="http://schemas.microsoft.com/office/drawing/2014/main" id="{3526A76C-E239-FB81-08A4-26DF238E5793}"/>
               </a:ext>
             </a:extLst>
           </p:cNvPr>
@@ -696,7 +696,7 @@
           <p:cNvPr id="6" name="灯片编号占位符 5">
             <a:extLst>
               <a:ext uri="{FF2B5EF4-FFF2-40B4-BE49-F238E27FC236}">
-                <a16:creationId xmlns:a16="http://schemas.microsoft.com/office/drawing/2014/main" id="{4038681A-C65A-D360-AD0A-1CF579B9B079}"/>
+                <a16:creationId xmlns:a16="http://schemas.microsoft.com/office/drawing/2014/main" id="{D5D6DB65-013B-F7A0-9F9C-6F32F65B12C0}"/>
               </a:ext>
             </a:extLst>
           </p:cNvPr>
@@ -712,7 +712,7 @@
           <a:bodyPr/>
           <a:lstStyle/>
           <a:p>
-            <a:fld id="{9E9FBEA9-0534-4B8D-A4B2-8B5A3E30BE66}" type="slidenum">
+            <a:fld id="{5E837723-9D20-471D-AC41-DFC1E84B9FD6}" type="slidenum">
               <a:rPr lang="zh-CN" altLang="en-US" smtClean="0"/>
               <a:t>‹#›</a:t>
             </a:fld>
@@ -723,7 +723,7 @@
     </p:spTree>
     <p:extLst>
       <p:ext uri="{BB962C8B-B14F-4D97-AF65-F5344CB8AC3E}">
-        <p14:creationId xmlns:p14="http://schemas.microsoft.com/office/powerpoint/2010/main" val="790481488"/>
+        <p14:creationId xmlns:p14="http://schemas.microsoft.com/office/powerpoint/2010/main" val="2446234350"/>
       </p:ext>
     </p:extLst>
   </p:cSld>
@@ -755,7 +755,7 @@
           <p:cNvPr id="2" name="标题 1">
             <a:extLst>
               <a:ext uri="{FF2B5EF4-FFF2-40B4-BE49-F238E27FC236}">
-                <a16:creationId xmlns:a16="http://schemas.microsoft.com/office/drawing/2014/main" id="{DA3F5EF3-E2EF-12BF-89F5-1165F0EF50B6}"/>
+                <a16:creationId xmlns:a16="http://schemas.microsoft.com/office/drawing/2014/main" id="{AC2A3427-D749-9C13-889C-9A30201666A8}"/>
               </a:ext>
             </a:extLst>
           </p:cNvPr>
@@ -783,7 +783,7 @@
           <p:cNvPr id="3" name="内容占位符 2">
             <a:extLst>
               <a:ext uri="{FF2B5EF4-FFF2-40B4-BE49-F238E27FC236}">
-                <a16:creationId xmlns:a16="http://schemas.microsoft.com/office/drawing/2014/main" id="{E38600CE-E44E-5865-1836-D49089382A2B}"/>
+                <a16:creationId xmlns:a16="http://schemas.microsoft.com/office/drawing/2014/main" id="{96CEDC8B-C300-9215-E683-9339F52730CD}"/>
               </a:ext>
             </a:extLst>
           </p:cNvPr>
@@ -840,7 +840,7 @@
           <p:cNvPr id="4" name="日期占位符 3">
             <a:extLst>
               <a:ext uri="{FF2B5EF4-FFF2-40B4-BE49-F238E27FC236}">
-                <a16:creationId xmlns:a16="http://schemas.microsoft.com/office/drawing/2014/main" id="{997C8AF0-E207-A1E6-A12C-C8760499BF0F}"/>
+                <a16:creationId xmlns:a16="http://schemas.microsoft.com/office/drawing/2014/main" id="{70C513C8-F632-91C8-C0B3-6488F31DAA45}"/>
               </a:ext>
             </a:extLst>
           </p:cNvPr>
@@ -856,7 +856,7 @@
           <a:bodyPr/>
           <a:lstStyle/>
           <a:p>
-            <a:fld id="{E525C04F-6422-4F4A-9D5F-9B4C9C3C5F66}" type="datetimeFigureOut">
+            <a:fld id="{789ADC90-EE10-45DB-8552-63F20CED4B22}" type="datetimeFigureOut">
               <a:rPr lang="zh-CN" altLang="en-US" smtClean="0"/>
               <a:t>2024/3/10</a:t>
             </a:fld>
@@ -869,7 +869,7 @@
           <p:cNvPr id="5" name="页脚占位符 4">
             <a:extLst>
               <a:ext uri="{FF2B5EF4-FFF2-40B4-BE49-F238E27FC236}">
-                <a16:creationId xmlns:a16="http://schemas.microsoft.com/office/drawing/2014/main" id="{57B7C278-F566-985F-66F4-0160FCC570D3}"/>
+                <a16:creationId xmlns:a16="http://schemas.microsoft.com/office/drawing/2014/main" id="{5E23DCF5-E46B-4CC2-6686-9EF782A72379}"/>
               </a:ext>
             </a:extLst>
           </p:cNvPr>
@@ -894,7 +894,7 @@
           <p:cNvPr id="6" name="灯片编号占位符 5">
             <a:extLst>
               <a:ext uri="{FF2B5EF4-FFF2-40B4-BE49-F238E27FC236}">
-                <a16:creationId xmlns:a16="http://schemas.microsoft.com/office/drawing/2014/main" id="{7B7BEA96-F75C-DADE-0105-195225E2AF48}"/>
+                <a16:creationId xmlns:a16="http://schemas.microsoft.com/office/drawing/2014/main" id="{14F52497-D4CA-8AD3-6A4D-CC4FE484BF0D}"/>
               </a:ext>
             </a:extLst>
           </p:cNvPr>
@@ -910,7 +910,7 @@
           <a:bodyPr/>
           <a:lstStyle/>
           <a:p>
-            <a:fld id="{9E9FBEA9-0534-4B8D-A4B2-8B5A3E30BE66}" type="slidenum">
+            <a:fld id="{5E837723-9D20-471D-AC41-DFC1E84B9FD6}" type="slidenum">
               <a:rPr lang="zh-CN" altLang="en-US" smtClean="0"/>
               <a:t>‹#›</a:t>
             </a:fld>
@@ -921,7 +921,7 @@
     </p:spTree>
     <p:extLst>
       <p:ext uri="{BB962C8B-B14F-4D97-AF65-F5344CB8AC3E}">
-        <p14:creationId xmlns:p14="http://schemas.microsoft.com/office/powerpoint/2010/main" val="93658088"/>
+        <p14:creationId xmlns:p14="http://schemas.microsoft.com/office/powerpoint/2010/main" val="3974163810"/>
       </p:ext>
     </p:extLst>
   </p:cSld>
@@ -953,7 +953,7 @@
           <p:cNvPr id="2" name="标题 1">
             <a:extLst>
               <a:ext uri="{FF2B5EF4-FFF2-40B4-BE49-F238E27FC236}">
-                <a16:creationId xmlns:a16="http://schemas.microsoft.com/office/drawing/2014/main" id="{C72BC79A-F24B-EC68-8ECF-A457F6D37366}"/>
+                <a16:creationId xmlns:a16="http://schemas.microsoft.com/office/drawing/2014/main" id="{F4BF80C0-D97A-F207-87A6-6B7AD10B5EAA}"/>
               </a:ext>
             </a:extLst>
           </p:cNvPr>
@@ -990,7 +990,7 @@
           <p:cNvPr id="3" name="文本占位符 2">
             <a:extLst>
               <a:ext uri="{FF2B5EF4-FFF2-40B4-BE49-F238E27FC236}">
-                <a16:creationId xmlns:a16="http://schemas.microsoft.com/office/drawing/2014/main" id="{E970C182-D082-E7AF-BF9E-5EFF92956A01}"/>
+                <a16:creationId xmlns:a16="http://schemas.microsoft.com/office/drawing/2014/main" id="{38C8F4DB-8E24-D3B1-360F-889326CE499E}"/>
               </a:ext>
             </a:extLst>
           </p:cNvPr>
@@ -1115,7 +1115,7 @@
           <p:cNvPr id="4" name="日期占位符 3">
             <a:extLst>
               <a:ext uri="{FF2B5EF4-FFF2-40B4-BE49-F238E27FC236}">
-                <a16:creationId xmlns:a16="http://schemas.microsoft.com/office/drawing/2014/main" id="{C74707AD-1222-4BF7-123C-066E8D9091E4}"/>
+                <a16:creationId xmlns:a16="http://schemas.microsoft.com/office/drawing/2014/main" id="{DCF958BA-539D-0C72-33A6-F27D8CE31DB9}"/>
               </a:ext>
             </a:extLst>
           </p:cNvPr>
@@ -1131,7 +1131,7 @@
           <a:bodyPr/>
           <a:lstStyle/>
           <a:p>
-            <a:fld id="{E525C04F-6422-4F4A-9D5F-9B4C9C3C5F66}" type="datetimeFigureOut">
+            <a:fld id="{789ADC90-EE10-45DB-8552-63F20CED4B22}" type="datetimeFigureOut">
               <a:rPr lang="zh-CN" altLang="en-US" smtClean="0"/>
               <a:t>2024/3/10</a:t>
             </a:fld>
@@ -1144,7 +1144,7 @@
           <p:cNvPr id="5" name="页脚占位符 4">
             <a:extLst>
               <a:ext uri="{FF2B5EF4-FFF2-40B4-BE49-F238E27FC236}">
-                <a16:creationId xmlns:a16="http://schemas.microsoft.com/office/drawing/2014/main" id="{3B2D94EF-D4CB-1AC5-77D3-128DEB20F93D}"/>
+                <a16:creationId xmlns:a16="http://schemas.microsoft.com/office/drawing/2014/main" id="{5EA8A7F4-A31E-B29E-F930-254E2DC72AA5}"/>
               </a:ext>
             </a:extLst>
           </p:cNvPr>
@@ -1169,7 +1169,7 @@
           <p:cNvPr id="6" name="灯片编号占位符 5">
             <a:extLst>
               <a:ext uri="{FF2B5EF4-FFF2-40B4-BE49-F238E27FC236}">
-                <a16:creationId xmlns:a16="http://schemas.microsoft.com/office/drawing/2014/main" id="{87A8D25F-C59E-3878-43F1-2E113DBCFB2B}"/>
+                <a16:creationId xmlns:a16="http://schemas.microsoft.com/office/drawing/2014/main" id="{2458F804-F9D0-C25B-B253-4EC59D500472}"/>
               </a:ext>
             </a:extLst>
           </p:cNvPr>
@@ -1185,7 +1185,7 @@
           <a:bodyPr/>
           <a:lstStyle/>
           <a:p>
-            <a:fld id="{9E9FBEA9-0534-4B8D-A4B2-8B5A3E30BE66}" type="slidenum">
+            <a:fld id="{5E837723-9D20-471D-AC41-DFC1E84B9FD6}" type="slidenum">
               <a:rPr lang="zh-CN" altLang="en-US" smtClean="0"/>
               <a:t>‹#›</a:t>
             </a:fld>
@@ -1196,7 +1196,7 @@
     </p:spTree>
     <p:extLst>
       <p:ext uri="{BB962C8B-B14F-4D97-AF65-F5344CB8AC3E}">
-        <p14:creationId xmlns:p14="http://schemas.microsoft.com/office/powerpoint/2010/main" val="1689246457"/>
+        <p14:creationId xmlns:p14="http://schemas.microsoft.com/office/powerpoint/2010/main" val="3048147784"/>
       </p:ext>
     </p:extLst>
   </p:cSld>
@@ -1228,7 +1228,7 @@
           <p:cNvPr id="2" name="标题 1">
             <a:extLst>
               <a:ext uri="{FF2B5EF4-FFF2-40B4-BE49-F238E27FC236}">
-                <a16:creationId xmlns:a16="http://schemas.microsoft.com/office/drawing/2014/main" id="{797828E8-AB4B-E02C-0CEE-A0732EC706D7}"/>
+                <a16:creationId xmlns:a16="http://schemas.microsoft.com/office/drawing/2014/main" id="{6330A86F-C4CF-7B66-D61F-477AFD255B84}"/>
               </a:ext>
             </a:extLst>
           </p:cNvPr>
@@ -1256,7 +1256,7 @@
           <p:cNvPr id="3" name="内容占位符 2">
             <a:extLst>
               <a:ext uri="{FF2B5EF4-FFF2-40B4-BE49-F238E27FC236}">
-                <a16:creationId xmlns:a16="http://schemas.microsoft.com/office/drawing/2014/main" id="{0EE6005E-8187-9A3F-CCD0-E06037D860C2}"/>
+                <a16:creationId xmlns:a16="http://schemas.microsoft.com/office/drawing/2014/main" id="{25814DAE-62AC-EB5C-C1BC-6C055C322CB4}"/>
               </a:ext>
             </a:extLst>
           </p:cNvPr>
@@ -1318,7 +1318,7 @@
           <p:cNvPr id="4" name="内容占位符 3">
             <a:extLst>
               <a:ext uri="{FF2B5EF4-FFF2-40B4-BE49-F238E27FC236}">
-                <a16:creationId xmlns:a16="http://schemas.microsoft.com/office/drawing/2014/main" id="{6D5B4C9D-97D9-8BE1-8E4B-793FA30DD2FE}"/>
+                <a16:creationId xmlns:a16="http://schemas.microsoft.com/office/drawing/2014/main" id="{DF9B3EF8-0E13-A50B-496C-1C861DEB87CD}"/>
               </a:ext>
             </a:extLst>
           </p:cNvPr>
@@ -1380,7 +1380,7 @@
           <p:cNvPr id="5" name="日期占位符 4">
             <a:extLst>
               <a:ext uri="{FF2B5EF4-FFF2-40B4-BE49-F238E27FC236}">
-                <a16:creationId xmlns:a16="http://schemas.microsoft.com/office/drawing/2014/main" id="{5840FFAF-BDA8-57F9-DCBA-70167B6B0A91}"/>
+                <a16:creationId xmlns:a16="http://schemas.microsoft.com/office/drawing/2014/main" id="{992575C8-089A-92E4-9201-2DF2C210A332}"/>
               </a:ext>
             </a:extLst>
           </p:cNvPr>
@@ -1396,7 +1396,7 @@
           <a:bodyPr/>
           <a:lstStyle/>
           <a:p>
-            <a:fld id="{E525C04F-6422-4F4A-9D5F-9B4C9C3C5F66}" type="datetimeFigureOut">
+            <a:fld id="{789ADC90-EE10-45DB-8552-63F20CED4B22}" type="datetimeFigureOut">
               <a:rPr lang="zh-CN" altLang="en-US" smtClean="0"/>
               <a:t>2024/3/10</a:t>
             </a:fld>
@@ -1409,7 +1409,7 @@
           <p:cNvPr id="6" name="页脚占位符 5">
             <a:extLst>
               <a:ext uri="{FF2B5EF4-FFF2-40B4-BE49-F238E27FC236}">
-                <a16:creationId xmlns:a16="http://schemas.microsoft.com/office/drawing/2014/main" id="{DDDAF34E-BEA8-F86C-AF14-EEE1BA599EA1}"/>
+                <a16:creationId xmlns:a16="http://schemas.microsoft.com/office/drawing/2014/main" id="{5A7CF1F9-A732-B414-1EFD-CD0D71909E19}"/>
               </a:ext>
             </a:extLst>
           </p:cNvPr>
@@ -1434,7 +1434,7 @@
           <p:cNvPr id="7" name="灯片编号占位符 6">
             <a:extLst>
               <a:ext uri="{FF2B5EF4-FFF2-40B4-BE49-F238E27FC236}">
-                <a16:creationId xmlns:a16="http://schemas.microsoft.com/office/drawing/2014/main" id="{9317B6D8-0265-75C3-1102-A94A62CC854D}"/>
+                <a16:creationId xmlns:a16="http://schemas.microsoft.com/office/drawing/2014/main" id="{548E972F-EDD5-86CB-82C2-9CE465925737}"/>
               </a:ext>
             </a:extLst>
           </p:cNvPr>
@@ -1450,7 +1450,7 @@
           <a:bodyPr/>
           <a:lstStyle/>
           <a:p>
-            <a:fld id="{9E9FBEA9-0534-4B8D-A4B2-8B5A3E30BE66}" type="slidenum">
+            <a:fld id="{5E837723-9D20-471D-AC41-DFC1E84B9FD6}" type="slidenum">
               <a:rPr lang="zh-CN" altLang="en-US" smtClean="0"/>
               <a:t>‹#›</a:t>
             </a:fld>
@@ -1461,7 +1461,7 @@
     </p:spTree>
     <p:extLst>
       <p:ext uri="{BB962C8B-B14F-4D97-AF65-F5344CB8AC3E}">
-        <p14:creationId xmlns:p14="http://schemas.microsoft.com/office/powerpoint/2010/main" val="3534129368"/>
+        <p14:creationId xmlns:p14="http://schemas.microsoft.com/office/powerpoint/2010/main" val="3018827661"/>
       </p:ext>
     </p:extLst>
   </p:cSld>
@@ -1493,7 +1493,7 @@
           <p:cNvPr id="2" name="标题 1">
             <a:extLst>
               <a:ext uri="{FF2B5EF4-FFF2-40B4-BE49-F238E27FC236}">
-                <a16:creationId xmlns:a16="http://schemas.microsoft.com/office/drawing/2014/main" id="{ECFB7DAC-376D-94A9-93D1-146F09F7A213}"/>
+                <a16:creationId xmlns:a16="http://schemas.microsoft.com/office/drawing/2014/main" id="{8D8A4A52-535F-1208-17B4-5E6FB8CB7972}"/>
               </a:ext>
             </a:extLst>
           </p:cNvPr>
@@ -1526,7 +1526,7 @@
           <p:cNvPr id="3" name="文本占位符 2">
             <a:extLst>
               <a:ext uri="{FF2B5EF4-FFF2-40B4-BE49-F238E27FC236}">
-                <a16:creationId xmlns:a16="http://schemas.microsoft.com/office/drawing/2014/main" id="{8661E134-6D7E-722B-ED2E-877358C4409E}"/>
+                <a16:creationId xmlns:a16="http://schemas.microsoft.com/office/drawing/2014/main" id="{CB84C590-6F45-708C-0EFE-75E5D3C9FA69}"/>
               </a:ext>
             </a:extLst>
           </p:cNvPr>
@@ -1597,7 +1597,7 @@
           <p:cNvPr id="4" name="内容占位符 3">
             <a:extLst>
               <a:ext uri="{FF2B5EF4-FFF2-40B4-BE49-F238E27FC236}">
-                <a16:creationId xmlns:a16="http://schemas.microsoft.com/office/drawing/2014/main" id="{B99722FA-28F8-6EB5-7BB7-20AB06D97CD9}"/>
+                <a16:creationId xmlns:a16="http://schemas.microsoft.com/office/drawing/2014/main" id="{7971C669-66AC-FE4F-20F2-B07752AB8627}"/>
               </a:ext>
             </a:extLst>
           </p:cNvPr>
@@ -1659,7 +1659,7 @@
           <p:cNvPr id="5" name="文本占位符 4">
             <a:extLst>
               <a:ext uri="{FF2B5EF4-FFF2-40B4-BE49-F238E27FC236}">
-                <a16:creationId xmlns:a16="http://schemas.microsoft.com/office/drawing/2014/main" id="{20C7EC2D-AAD7-BD04-CFC5-4AABA8AA4C10}"/>
+                <a16:creationId xmlns:a16="http://schemas.microsoft.com/office/drawing/2014/main" id="{9423CFF6-B397-4015-087D-2E4E72B88838}"/>
               </a:ext>
             </a:extLst>
           </p:cNvPr>
@@ -1730,7 +1730,7 @@
           <p:cNvPr id="6" name="内容占位符 5">
             <a:extLst>
               <a:ext uri="{FF2B5EF4-FFF2-40B4-BE49-F238E27FC236}">
-                <a16:creationId xmlns:a16="http://schemas.microsoft.com/office/drawing/2014/main" id="{FC2A35D4-1BEB-6EA9-104B-24D0EE54B328}"/>
+                <a16:creationId xmlns:a16="http://schemas.microsoft.com/office/drawing/2014/main" id="{D4EC0A6F-5127-7C91-7637-E121F2FFD64B}"/>
               </a:ext>
             </a:extLst>
           </p:cNvPr>
@@ -1792,7 +1792,7 @@
           <p:cNvPr id="7" name="日期占位符 6">
             <a:extLst>
               <a:ext uri="{FF2B5EF4-FFF2-40B4-BE49-F238E27FC236}">
-                <a16:creationId xmlns:a16="http://schemas.microsoft.com/office/drawing/2014/main" id="{7210EE3B-60C2-1464-7E46-69E6D7E6510D}"/>
+                <a16:creationId xmlns:a16="http://schemas.microsoft.com/office/drawing/2014/main" id="{B9202C0E-29DB-3A9F-938F-067D682969F2}"/>
               </a:ext>
             </a:extLst>
           </p:cNvPr>
@@ -1808,7 +1808,7 @@
           <a:bodyPr/>
           <a:lstStyle/>
           <a:p>
-            <a:fld id="{E525C04F-6422-4F4A-9D5F-9B4C9C3C5F66}" type="datetimeFigureOut">
+            <a:fld id="{789ADC90-EE10-45DB-8552-63F20CED4B22}" type="datetimeFigureOut">
               <a:rPr lang="zh-CN" altLang="en-US" smtClean="0"/>
               <a:t>2024/3/10</a:t>
             </a:fld>
@@ -1821,7 +1821,7 @@
           <p:cNvPr id="8" name="页脚占位符 7">
             <a:extLst>
               <a:ext uri="{FF2B5EF4-FFF2-40B4-BE49-F238E27FC236}">
-                <a16:creationId xmlns:a16="http://schemas.microsoft.com/office/drawing/2014/main" id="{81FB980A-BEA2-60E2-6024-F93C89D7C958}"/>
+                <a16:creationId xmlns:a16="http://schemas.microsoft.com/office/drawing/2014/main" id="{15A3427F-5E94-7A03-753E-BE10BC1B8223}"/>
               </a:ext>
             </a:extLst>
           </p:cNvPr>
@@ -1846,7 +1846,7 @@
           <p:cNvPr id="9" name="灯片编号占位符 8">
             <a:extLst>
               <a:ext uri="{FF2B5EF4-FFF2-40B4-BE49-F238E27FC236}">
-                <a16:creationId xmlns:a16="http://schemas.microsoft.com/office/drawing/2014/main" id="{689C76E4-7F51-ECA6-5D77-66A5ECF829A2}"/>
+                <a16:creationId xmlns:a16="http://schemas.microsoft.com/office/drawing/2014/main" id="{6DC68BD5-6815-A174-0B8B-3159698B9BC3}"/>
               </a:ext>
             </a:extLst>
           </p:cNvPr>
@@ -1862,7 +1862,7 @@
           <a:bodyPr/>
           <a:lstStyle/>
           <a:p>
-            <a:fld id="{9E9FBEA9-0534-4B8D-A4B2-8B5A3E30BE66}" type="slidenum">
+            <a:fld id="{5E837723-9D20-471D-AC41-DFC1E84B9FD6}" type="slidenum">
               <a:rPr lang="zh-CN" altLang="en-US" smtClean="0"/>
               <a:t>‹#›</a:t>
             </a:fld>
@@ -1873,7 +1873,7 @@
     </p:spTree>
     <p:extLst>
       <p:ext uri="{BB962C8B-B14F-4D97-AF65-F5344CB8AC3E}">
-        <p14:creationId xmlns:p14="http://schemas.microsoft.com/office/powerpoint/2010/main" val="42498523"/>
+        <p14:creationId xmlns:p14="http://schemas.microsoft.com/office/powerpoint/2010/main" val="2177908003"/>
       </p:ext>
     </p:extLst>
   </p:cSld>
@@ -1905,7 +1905,7 @@
           <p:cNvPr id="2" name="标题 1">
             <a:extLst>
               <a:ext uri="{FF2B5EF4-FFF2-40B4-BE49-F238E27FC236}">
-                <a16:creationId xmlns:a16="http://schemas.microsoft.com/office/drawing/2014/main" id="{173658D9-E910-CC3C-A2AD-7C9281AFDE3E}"/>
+                <a16:creationId xmlns:a16="http://schemas.microsoft.com/office/drawing/2014/main" id="{1FC8A618-EDF7-7AEB-1D33-C60325156CD4}"/>
               </a:ext>
             </a:extLst>
           </p:cNvPr>
@@ -1933,7 +1933,7 @@
           <p:cNvPr id="3" name="日期占位符 2">
             <a:extLst>
               <a:ext uri="{FF2B5EF4-FFF2-40B4-BE49-F238E27FC236}">
-                <a16:creationId xmlns:a16="http://schemas.microsoft.com/office/drawing/2014/main" id="{BC8210CA-C4D1-68AC-252F-2C58AD337587}"/>
+                <a16:creationId xmlns:a16="http://schemas.microsoft.com/office/drawing/2014/main" id="{4E6606AF-4501-361C-37DD-D6D6376435A0}"/>
               </a:ext>
             </a:extLst>
           </p:cNvPr>
@@ -1949,7 +1949,7 @@
           <a:bodyPr/>
           <a:lstStyle/>
           <a:p>
-            <a:fld id="{E525C04F-6422-4F4A-9D5F-9B4C9C3C5F66}" type="datetimeFigureOut">
+            <a:fld id="{789ADC90-EE10-45DB-8552-63F20CED4B22}" type="datetimeFigureOut">
               <a:rPr lang="zh-CN" altLang="en-US" smtClean="0"/>
               <a:t>2024/3/10</a:t>
             </a:fld>
@@ -1962,7 +1962,7 @@
           <p:cNvPr id="4" name="页脚占位符 3">
             <a:extLst>
               <a:ext uri="{FF2B5EF4-FFF2-40B4-BE49-F238E27FC236}">
-                <a16:creationId xmlns:a16="http://schemas.microsoft.com/office/drawing/2014/main" id="{05C85E76-7714-1737-CA79-A8794B33EAF3}"/>
+                <a16:creationId xmlns:a16="http://schemas.microsoft.com/office/drawing/2014/main" id="{BC9ADE2E-EC5E-0AD7-1D1B-05844EA49D07}"/>
               </a:ext>
             </a:extLst>
           </p:cNvPr>
@@ -1987,7 +1987,7 @@
           <p:cNvPr id="5" name="灯片编号占位符 4">
             <a:extLst>
               <a:ext uri="{FF2B5EF4-FFF2-40B4-BE49-F238E27FC236}">
-                <a16:creationId xmlns:a16="http://schemas.microsoft.com/office/drawing/2014/main" id="{85C86F6A-DB1E-60C5-EB34-54A9AFBF5F0F}"/>
+                <a16:creationId xmlns:a16="http://schemas.microsoft.com/office/drawing/2014/main" id="{F2A7B94A-C8E4-1678-B6CC-F8640C7FE5EC}"/>
               </a:ext>
             </a:extLst>
           </p:cNvPr>
@@ -2003,7 +2003,7 @@
           <a:bodyPr/>
           <a:lstStyle/>
           <a:p>
-            <a:fld id="{9E9FBEA9-0534-4B8D-A4B2-8B5A3E30BE66}" type="slidenum">
+            <a:fld id="{5E837723-9D20-471D-AC41-DFC1E84B9FD6}" type="slidenum">
               <a:rPr lang="zh-CN" altLang="en-US" smtClean="0"/>
               <a:t>‹#›</a:t>
             </a:fld>
@@ -2014,7 +2014,7 @@
     </p:spTree>
     <p:extLst>
       <p:ext uri="{BB962C8B-B14F-4D97-AF65-F5344CB8AC3E}">
-        <p14:creationId xmlns:p14="http://schemas.microsoft.com/office/powerpoint/2010/main" val="1402746646"/>
+        <p14:creationId xmlns:p14="http://schemas.microsoft.com/office/powerpoint/2010/main" val="1402795870"/>
       </p:ext>
     </p:extLst>
   </p:cSld>
@@ -2046,7 +2046,7 @@
           <p:cNvPr id="2" name="日期占位符 1">
             <a:extLst>
               <a:ext uri="{FF2B5EF4-FFF2-40B4-BE49-F238E27FC236}">
-                <a16:creationId xmlns:a16="http://schemas.microsoft.com/office/drawing/2014/main" id="{F918F7B6-8ED2-43F3-FBC8-B6FEC684A9E3}"/>
+                <a16:creationId xmlns:a16="http://schemas.microsoft.com/office/drawing/2014/main" id="{1CC851E5-4FD7-48FF-3F88-6B5B4AD14E81}"/>
               </a:ext>
             </a:extLst>
           </p:cNvPr>
@@ -2062,7 +2062,7 @@
           <a:bodyPr/>
           <a:lstStyle/>
           <a:p>
-            <a:fld id="{E525C04F-6422-4F4A-9D5F-9B4C9C3C5F66}" type="datetimeFigureOut">
+            <a:fld id="{789ADC90-EE10-45DB-8552-63F20CED4B22}" type="datetimeFigureOut">
               <a:rPr lang="zh-CN" altLang="en-US" smtClean="0"/>
               <a:t>2024/3/10</a:t>
             </a:fld>
@@ -2075,7 +2075,7 @@
           <p:cNvPr id="3" name="页脚占位符 2">
             <a:extLst>
               <a:ext uri="{FF2B5EF4-FFF2-40B4-BE49-F238E27FC236}">
-                <a16:creationId xmlns:a16="http://schemas.microsoft.com/office/drawing/2014/main" id="{4C4B0430-A006-EA35-631A-2256BFE67607}"/>
+                <a16:creationId xmlns:a16="http://schemas.microsoft.com/office/drawing/2014/main" id="{1C8BEF15-B409-2762-1364-A5412879C9C9}"/>
               </a:ext>
             </a:extLst>
           </p:cNvPr>
@@ -2100,7 +2100,7 @@
           <p:cNvPr id="4" name="灯片编号占位符 3">
             <a:extLst>
               <a:ext uri="{FF2B5EF4-FFF2-40B4-BE49-F238E27FC236}">
-                <a16:creationId xmlns:a16="http://schemas.microsoft.com/office/drawing/2014/main" id="{DD84FB50-3839-3890-50CC-21FE8D7A5908}"/>
+                <a16:creationId xmlns:a16="http://schemas.microsoft.com/office/drawing/2014/main" id="{275CEA16-8472-1359-DA63-F3B4D475B581}"/>
               </a:ext>
             </a:extLst>
           </p:cNvPr>
@@ -2116,7 +2116,7 @@
           <a:bodyPr/>
           <a:lstStyle/>
           <a:p>
-            <a:fld id="{9E9FBEA9-0534-4B8D-A4B2-8B5A3E30BE66}" type="slidenum">
+            <a:fld id="{5E837723-9D20-471D-AC41-DFC1E84B9FD6}" type="slidenum">
               <a:rPr lang="zh-CN" altLang="en-US" smtClean="0"/>
               <a:t>‹#›</a:t>
             </a:fld>
@@ -2127,7 +2127,7 @@
     </p:spTree>
     <p:extLst>
       <p:ext uri="{BB962C8B-B14F-4D97-AF65-F5344CB8AC3E}">
-        <p14:creationId xmlns:p14="http://schemas.microsoft.com/office/powerpoint/2010/main" val="1426723025"/>
+        <p14:creationId xmlns:p14="http://schemas.microsoft.com/office/powerpoint/2010/main" val="3930088098"/>
       </p:ext>
     </p:extLst>
   </p:cSld>
@@ -2159,7 +2159,7 @@
           <p:cNvPr id="2" name="标题 1">
             <a:extLst>
               <a:ext uri="{FF2B5EF4-FFF2-40B4-BE49-F238E27FC236}">
-                <a16:creationId xmlns:a16="http://schemas.microsoft.com/office/drawing/2014/main" id="{ECCE69AA-944F-8FE1-E8DA-9FD4B6E1D8EA}"/>
+                <a16:creationId xmlns:a16="http://schemas.microsoft.com/office/drawing/2014/main" id="{41020EE6-1D70-97F6-67DE-4F2D5FC64685}"/>
               </a:ext>
             </a:extLst>
           </p:cNvPr>
@@ -2196,7 +2196,7 @@
           <p:cNvPr id="3" name="内容占位符 2">
             <a:extLst>
               <a:ext uri="{FF2B5EF4-FFF2-40B4-BE49-F238E27FC236}">
-                <a16:creationId xmlns:a16="http://schemas.microsoft.com/office/drawing/2014/main" id="{C3BD4EDF-A892-9198-DD5E-D342B78FA4F1}"/>
+                <a16:creationId xmlns:a16="http://schemas.microsoft.com/office/drawing/2014/main" id="{007C47F8-058E-731C-CEBC-7E17E5D4CAAE}"/>
               </a:ext>
             </a:extLst>
           </p:cNvPr>
@@ -2286,7 +2286,7 @@
           <p:cNvPr id="4" name="文本占位符 3">
             <a:extLst>
               <a:ext uri="{FF2B5EF4-FFF2-40B4-BE49-F238E27FC236}">
-                <a16:creationId xmlns:a16="http://schemas.microsoft.com/office/drawing/2014/main" id="{DF0C22BD-63F4-6375-703C-C005BD261FDC}"/>
+                <a16:creationId xmlns:a16="http://schemas.microsoft.com/office/drawing/2014/main" id="{A8EF213D-E44A-01DD-F69B-9D6DFF5813E0}"/>
               </a:ext>
             </a:extLst>
           </p:cNvPr>
@@ -2357,7 +2357,7 @@
           <p:cNvPr id="5" name="日期占位符 4">
             <a:extLst>
               <a:ext uri="{FF2B5EF4-FFF2-40B4-BE49-F238E27FC236}">
-                <a16:creationId xmlns:a16="http://schemas.microsoft.com/office/drawing/2014/main" id="{393709DD-DD16-83C0-5AAA-1E1F57880777}"/>
+                <a16:creationId xmlns:a16="http://schemas.microsoft.com/office/drawing/2014/main" id="{DD56136F-FC36-8D3A-3919-6B0BDFB1B0EC}"/>
               </a:ext>
             </a:extLst>
           </p:cNvPr>
@@ -2373,7 +2373,7 @@
           <a:bodyPr/>
           <a:lstStyle/>
           <a:p>
-            <a:fld id="{E525C04F-6422-4F4A-9D5F-9B4C9C3C5F66}" type="datetimeFigureOut">
+            <a:fld id="{789ADC90-EE10-45DB-8552-63F20CED4B22}" type="datetimeFigureOut">
               <a:rPr lang="zh-CN" altLang="en-US" smtClean="0"/>
               <a:t>2024/3/10</a:t>
             </a:fld>
@@ -2386,7 +2386,7 @@
           <p:cNvPr id="6" name="页脚占位符 5">
             <a:extLst>
               <a:ext uri="{FF2B5EF4-FFF2-40B4-BE49-F238E27FC236}">
-                <a16:creationId xmlns:a16="http://schemas.microsoft.com/office/drawing/2014/main" id="{2AB138CE-B4EF-DDA7-ACFA-227CE4B9B009}"/>
+                <a16:creationId xmlns:a16="http://schemas.microsoft.com/office/drawing/2014/main" id="{065A5452-A368-8857-2DCE-E874CCDB9149}"/>
               </a:ext>
             </a:extLst>
           </p:cNvPr>
@@ -2411,7 +2411,7 @@
           <p:cNvPr id="7" name="灯片编号占位符 6">
             <a:extLst>
               <a:ext uri="{FF2B5EF4-FFF2-40B4-BE49-F238E27FC236}">
-                <a16:creationId xmlns:a16="http://schemas.microsoft.com/office/drawing/2014/main" id="{CB00AE11-3DFA-7E61-CA39-9457F628E1B2}"/>
+                <a16:creationId xmlns:a16="http://schemas.microsoft.com/office/drawing/2014/main" id="{78C66819-1AF8-4F39-6601-39A70DC60C26}"/>
               </a:ext>
             </a:extLst>
           </p:cNvPr>
@@ -2427,7 +2427,7 @@
           <a:bodyPr/>
           <a:lstStyle/>
           <a:p>
-            <a:fld id="{9E9FBEA9-0534-4B8D-A4B2-8B5A3E30BE66}" type="slidenum">
+            <a:fld id="{5E837723-9D20-471D-AC41-DFC1E84B9FD6}" type="slidenum">
               <a:rPr lang="zh-CN" altLang="en-US" smtClean="0"/>
               <a:t>‹#›</a:t>
             </a:fld>
@@ -2438,7 +2438,7 @@
     </p:spTree>
     <p:extLst>
       <p:ext uri="{BB962C8B-B14F-4D97-AF65-F5344CB8AC3E}">
-        <p14:creationId xmlns:p14="http://schemas.microsoft.com/office/powerpoint/2010/main" val="3371464234"/>
+        <p14:creationId xmlns:p14="http://schemas.microsoft.com/office/powerpoint/2010/main" val="3319328265"/>
       </p:ext>
     </p:extLst>
   </p:cSld>
@@ -2470,7 +2470,7 @@
           <p:cNvPr id="2" name="标题 1">
             <a:extLst>
               <a:ext uri="{FF2B5EF4-FFF2-40B4-BE49-F238E27FC236}">
-                <a16:creationId xmlns:a16="http://schemas.microsoft.com/office/drawing/2014/main" id="{39C7C33A-F383-0113-3064-70D44EE151A6}"/>
+                <a16:creationId xmlns:a16="http://schemas.microsoft.com/office/drawing/2014/main" id="{6005C0C0-47E0-9BDF-A6E7-851C7D8612AB}"/>
               </a:ext>
             </a:extLst>
           </p:cNvPr>
@@ -2507,7 +2507,7 @@
           <p:cNvPr id="3" name="图片占位符 2">
             <a:extLst>
               <a:ext uri="{FF2B5EF4-FFF2-40B4-BE49-F238E27FC236}">
-                <a16:creationId xmlns:a16="http://schemas.microsoft.com/office/drawing/2014/main" id="{D9EB26B6-4E28-5DD8-8FB9-5AC0CC3FBEAB}"/>
+                <a16:creationId xmlns:a16="http://schemas.microsoft.com/office/drawing/2014/main" id="{61E38740-3331-AD5B-4BD4-57A9FE9921C4}"/>
               </a:ext>
             </a:extLst>
           </p:cNvPr>
@@ -2574,7 +2574,7 @@
           <p:cNvPr id="4" name="文本占位符 3">
             <a:extLst>
               <a:ext uri="{FF2B5EF4-FFF2-40B4-BE49-F238E27FC236}">
-                <a16:creationId xmlns:a16="http://schemas.microsoft.com/office/drawing/2014/main" id="{D4B02B70-95DA-A125-5E4D-3A818B2610DE}"/>
+                <a16:creationId xmlns:a16="http://schemas.microsoft.com/office/drawing/2014/main" id="{846C2C38-3109-4DF8-FD61-0B015A724286}"/>
               </a:ext>
             </a:extLst>
           </p:cNvPr>
@@ -2645,7 +2645,7 @@
           <p:cNvPr id="5" name="日期占位符 4">
             <a:extLst>
               <a:ext uri="{FF2B5EF4-FFF2-40B4-BE49-F238E27FC236}">
-                <a16:creationId xmlns:a16="http://schemas.microsoft.com/office/drawing/2014/main" id="{064500CD-9FFB-E00D-8B47-98809F919E38}"/>
+                <a16:creationId xmlns:a16="http://schemas.microsoft.com/office/drawing/2014/main" id="{7789A60C-60CF-0638-587D-06B7260A509F}"/>
               </a:ext>
             </a:extLst>
           </p:cNvPr>
@@ -2661,7 +2661,7 @@
           <a:bodyPr/>
           <a:lstStyle/>
           <a:p>
-            <a:fld id="{E525C04F-6422-4F4A-9D5F-9B4C9C3C5F66}" type="datetimeFigureOut">
+            <a:fld id="{789ADC90-EE10-45DB-8552-63F20CED4B22}" type="datetimeFigureOut">
               <a:rPr lang="zh-CN" altLang="en-US" smtClean="0"/>
               <a:t>2024/3/10</a:t>
             </a:fld>
@@ -2674,7 +2674,7 @@
           <p:cNvPr id="6" name="页脚占位符 5">
             <a:extLst>
               <a:ext uri="{FF2B5EF4-FFF2-40B4-BE49-F238E27FC236}">
-                <a16:creationId xmlns:a16="http://schemas.microsoft.com/office/drawing/2014/main" id="{A433E054-E304-0F3F-654A-17B4E440CF1A}"/>
+                <a16:creationId xmlns:a16="http://schemas.microsoft.com/office/drawing/2014/main" id="{1AD9692E-6C05-E00B-232C-13067F358DD1}"/>
               </a:ext>
             </a:extLst>
           </p:cNvPr>
@@ -2699,7 +2699,7 @@
           <p:cNvPr id="7" name="灯片编号占位符 6">
             <a:extLst>
               <a:ext uri="{FF2B5EF4-FFF2-40B4-BE49-F238E27FC236}">
-                <a16:creationId xmlns:a16="http://schemas.microsoft.com/office/drawing/2014/main" id="{F07CF883-C463-79E0-7150-6FA67FDD5189}"/>
+                <a16:creationId xmlns:a16="http://schemas.microsoft.com/office/drawing/2014/main" id="{BD88C94B-5EE4-C0C7-5966-989457BFAA59}"/>
               </a:ext>
             </a:extLst>
           </p:cNvPr>
@@ -2715,7 +2715,7 @@
           <a:bodyPr/>
           <a:lstStyle/>
           <a:p>
-            <a:fld id="{9E9FBEA9-0534-4B8D-A4B2-8B5A3E30BE66}" type="slidenum">
+            <a:fld id="{5E837723-9D20-471D-AC41-DFC1E84B9FD6}" type="slidenum">
               <a:rPr lang="zh-CN" altLang="en-US" smtClean="0"/>
               <a:t>‹#›</a:t>
             </a:fld>
@@ -2726,7 +2726,7 @@
     </p:spTree>
     <p:extLst>
       <p:ext uri="{BB962C8B-B14F-4D97-AF65-F5344CB8AC3E}">
-        <p14:creationId xmlns:p14="http://schemas.microsoft.com/office/powerpoint/2010/main" val="26316524"/>
+        <p14:creationId xmlns:p14="http://schemas.microsoft.com/office/powerpoint/2010/main" val="2418276150"/>
       </p:ext>
     </p:extLst>
   </p:cSld>
@@ -2763,7 +2763,7 @@
           <p:cNvPr id="2" name="标题占位符 1">
             <a:extLst>
               <a:ext uri="{FF2B5EF4-FFF2-40B4-BE49-F238E27FC236}">
-                <a16:creationId xmlns:a16="http://schemas.microsoft.com/office/drawing/2014/main" id="{B34891BF-CF0E-33FC-0624-237ED6B75CA8}"/>
+                <a16:creationId xmlns:a16="http://schemas.microsoft.com/office/drawing/2014/main" id="{64235973-7436-F2BC-4A6B-3AA9DCBDAD33}"/>
               </a:ext>
             </a:extLst>
           </p:cNvPr>
@@ -2801,7 +2801,7 @@
           <p:cNvPr id="3" name="文本占位符 2">
             <a:extLst>
               <a:ext uri="{FF2B5EF4-FFF2-40B4-BE49-F238E27FC236}">
-                <a16:creationId xmlns:a16="http://schemas.microsoft.com/office/drawing/2014/main" id="{EC01C3E3-58D2-2393-3E9B-6EE65CF8AF77}"/>
+                <a16:creationId xmlns:a16="http://schemas.microsoft.com/office/drawing/2014/main" id="{F061A666-3E91-967B-6137-797A9C32C192}"/>
               </a:ext>
             </a:extLst>
           </p:cNvPr>
@@ -2868,7 +2868,7 @@
           <p:cNvPr id="4" name="日期占位符 3">
             <a:extLst>
               <a:ext uri="{FF2B5EF4-FFF2-40B4-BE49-F238E27FC236}">
-                <a16:creationId xmlns:a16="http://schemas.microsoft.com/office/drawing/2014/main" id="{B07A3336-DEE9-3F7D-8DE6-9839581156E4}"/>
+                <a16:creationId xmlns:a16="http://schemas.microsoft.com/office/drawing/2014/main" id="{BAA4F210-6998-7911-100C-004FC6B2711A}"/>
               </a:ext>
             </a:extLst>
           </p:cNvPr>
@@ -2902,7 +2902,7 @@
             </a:lvl1pPr>
           </a:lstStyle>
           <a:p>
-            <a:fld id="{E525C04F-6422-4F4A-9D5F-9B4C9C3C5F66}" type="datetimeFigureOut">
+            <a:fld id="{789ADC90-EE10-45DB-8552-63F20CED4B22}" type="datetimeFigureOut">
               <a:rPr lang="zh-CN" altLang="en-US" smtClean="0"/>
               <a:t>2024/3/10</a:t>
             </a:fld>
@@ -2915,7 +2915,7 @@
           <p:cNvPr id="5" name="页脚占位符 4">
             <a:extLst>
               <a:ext uri="{FF2B5EF4-FFF2-40B4-BE49-F238E27FC236}">
-                <a16:creationId xmlns:a16="http://schemas.microsoft.com/office/drawing/2014/main" id="{2D42F6DC-2823-A6D9-D4D7-571B5DB12B97}"/>
+                <a16:creationId xmlns:a16="http://schemas.microsoft.com/office/drawing/2014/main" id="{9B93591E-A56F-3710-EA8F-CE883FB3E937}"/>
               </a:ext>
             </a:extLst>
           </p:cNvPr>
@@ -2958,7 +2958,7 @@
           <p:cNvPr id="6" name="灯片编号占位符 5">
             <a:extLst>
               <a:ext uri="{FF2B5EF4-FFF2-40B4-BE49-F238E27FC236}">
-                <a16:creationId xmlns:a16="http://schemas.microsoft.com/office/drawing/2014/main" id="{1DE927BE-A48F-6C7C-44AE-1F06C0E980D8}"/>
+                <a16:creationId xmlns:a16="http://schemas.microsoft.com/office/drawing/2014/main" id="{2930152A-E763-5AD4-2286-02C346C70D47}"/>
               </a:ext>
             </a:extLst>
           </p:cNvPr>
@@ -2992,7 +2992,7 @@
             </a:lvl1pPr>
           </a:lstStyle>
           <a:p>
-            <a:fld id="{9E9FBEA9-0534-4B8D-A4B2-8B5A3E30BE66}" type="slidenum">
+            <a:fld id="{5E837723-9D20-471D-AC41-DFC1E84B9FD6}" type="slidenum">
               <a:rPr lang="zh-CN" altLang="en-US" smtClean="0"/>
               <a:t>‹#›</a:t>
             </a:fld>
@@ -3003,7 +3003,7 @@
     </p:spTree>
     <p:extLst>
       <p:ext uri="{BB962C8B-B14F-4D97-AF65-F5344CB8AC3E}">
-        <p14:creationId xmlns:p14="http://schemas.microsoft.com/office/powerpoint/2010/main" val="1014740805"/>
+        <p14:creationId xmlns:p14="http://schemas.microsoft.com/office/powerpoint/2010/main" val="3314159164"/>
       </p:ext>
     </p:extLst>
   </p:cSld>
